--- a/project.pptx
+++ b/project.pptx
@@ -8,7 +8,7 @@
     <p:notesMasterId r:id="rId5"/>
   </p:notesMasterIdLst>
   <p:handoutMasterIdLst>
-    <p:handoutMasterId r:id="rId13"/>
+    <p:handoutMasterId r:id="rId12"/>
   </p:handoutMasterIdLst>
   <p:sldIdLst>
     <p:sldId id="398" r:id="rId3"/>
@@ -18,8 +18,7 @@
     <p:sldId id="408" r:id="rId8"/>
     <p:sldId id="409" r:id="rId9"/>
     <p:sldId id="411" r:id="rId10"/>
-    <p:sldId id="412" r:id="rId11"/>
-    <p:sldId id="378" r:id="rId12"/>
+    <p:sldId id="378" r:id="rId11"/>
   </p:sldIdLst>
   <p:sldSz cx="9144000" cy="5143500" type="screen16x9"/>
   <p:notesSz cx="6858000" cy="9144000"/>
@@ -1095,84 +1094,6 @@
 </file>
 
 <file path=ppt/notesSlides/notesSlide7.xml><?xml version="1.0" encoding="utf-8"?>
-<p:notes xmlns:a="http://schemas.openxmlformats.org/drawingml/2006/main" xmlns:r="http://schemas.openxmlformats.org/officeDocument/2006/relationships" xmlns:p="http://schemas.openxmlformats.org/presentationml/2006/main">
-  <p:cSld>
-    <p:spTree>
-      <p:nvGrpSpPr>
-        <p:cNvPr id="1" name=""/>
-        <p:cNvGrpSpPr/>
-        <p:nvPr/>
-      </p:nvGrpSpPr>
-      <p:grpSpPr>
-        <a:xfrm>
-          <a:off x="0" y="0"/>
-          <a:ext cx="0" cy="0"/>
-          <a:chOff x="0" y="0"/>
-          <a:chExt cx="0" cy="0"/>
-        </a:xfrm>
-      </p:grpSpPr>
-      <p:sp>
-        <p:nvSpPr>
-          <p:cNvPr id="2" name="幻灯片图像占位符 1"/>
-          <p:cNvSpPr>
-            <a:spLocks noGrp="1" noRot="1" noChangeAspect="1"/>
-          </p:cNvSpPr>
-          <p:nvPr>
-            <p:ph type="sldImg"/>
-          </p:nvPr>
-        </p:nvSpPr>
-        <p:spPr/>
-      </p:sp>
-      <p:sp>
-        <p:nvSpPr>
-          <p:cNvPr id="3" name="备注占位符 2"/>
-          <p:cNvSpPr>
-            <a:spLocks noGrp="1"/>
-          </p:cNvSpPr>
-          <p:nvPr>
-            <p:ph type="body" idx="1"/>
-          </p:nvPr>
-        </p:nvSpPr>
-        <p:spPr/>
-        <p:txBody>
-          <a:bodyPr/>
-          <a:lstStyle/>
-          <a:p>
-            <a:endParaRPr lang="zh-CN" altLang="en-US"/>
-          </a:p>
-        </p:txBody>
-      </p:sp>
-      <p:sp>
-        <p:nvSpPr>
-          <p:cNvPr id="4" name="灯片编号占位符 3"/>
-          <p:cNvSpPr>
-            <a:spLocks noGrp="1"/>
-          </p:cNvSpPr>
-          <p:nvPr>
-            <p:ph type="sldNum" sz="quarter" idx="10"/>
-          </p:nvPr>
-        </p:nvSpPr>
-        <p:spPr/>
-        <p:txBody>
-          <a:bodyPr/>
-          <a:lstStyle/>
-          <a:p>
-            <a:fld id="{7392B679-AE23-4750-8FB0-6513430B8953}" type="slidenum">
-              <a:rPr lang="zh-CN" altLang="en-US" smtClean="0"/>
-            </a:fld>
-            <a:endParaRPr lang="zh-CN" altLang="en-US"/>
-          </a:p>
-        </p:txBody>
-      </p:sp>
-    </p:spTree>
-  </p:cSld>
-  <p:clrMapOvr>
-    <a:masterClrMapping/>
-  </p:clrMapOvr>
-</p:notes>
-</file>
-
-<file path=ppt/notesSlides/notesSlide8.xml><?xml version="1.0" encoding="utf-8"?>
 <p:notes xmlns:a="http://schemas.openxmlformats.org/drawingml/2006/main" xmlns:r="http://schemas.openxmlformats.org/officeDocument/2006/relationships" xmlns:p="http://schemas.openxmlformats.org/presentationml/2006/main">
   <p:cSld>
     <p:spTree>
@@ -6798,7 +6719,7 @@
                 <a:latin typeface="微软雅黑" panose="020B0503020204020204" pitchFamily="34" charset="-122"/>
                 <a:ea typeface="微软雅黑" panose="020B0503020204020204" pitchFamily="34" charset="-122"/>
               </a:rPr>
-              <a:t>1160</a:t>
+              <a:t>1900</a:t>
             </a:r>
             <a:endParaRPr lang="en-US" altLang="zh-CN" sz="1200" b="1" dirty="0" smtClean="0">
               <a:solidFill>
@@ -7086,7 +7007,7 @@
         <p:spPr>
           <a:xfrm>
             <a:off x="1305560" y="1059180"/>
-            <a:ext cx="3266440" cy="275590"/>
+            <a:ext cx="2164080" cy="275590"/>
           </a:xfrm>
           <a:prstGeom prst="rect">
             <a:avLst/>
@@ -7109,46 +7030,7 @@
                 <a:latin typeface="微软雅黑" panose="020B0503020204020204" pitchFamily="34" charset="-122"/>
                 <a:ea typeface="微软雅黑" panose="020B0503020204020204" pitchFamily="34" charset="-122"/>
               </a:rPr>
-              <a:t>如何去表示棋子？使用</a:t>
-            </a:r>
-            <a:r>
-              <a:rPr lang="en-US" altLang="zh-CN" sz="1200" b="1" dirty="0" smtClean="0">
-                <a:solidFill>
-                  <a:schemeClr val="tx1">
-                    <a:lumMod val="75000"/>
-                    <a:lumOff val="25000"/>
-                  </a:schemeClr>
-                </a:solidFill>
-                <a:latin typeface="微软雅黑" panose="020B0503020204020204" pitchFamily="34" charset="-122"/>
-                <a:ea typeface="微软雅黑" panose="020B0503020204020204" pitchFamily="34" charset="-122"/>
-              </a:rPr>
-              <a:t>32</a:t>
-            </a:r>
-            <a:r>
-              <a:rPr lang="zh-CN" altLang="en-US" sz="1200" b="1" dirty="0" smtClean="0">
-                <a:solidFill>
-                  <a:schemeClr val="tx1">
-                    <a:lumMod val="75000"/>
-                    <a:lumOff val="25000"/>
-                  </a:schemeClr>
-                </a:solidFill>
-                <a:latin typeface="微软雅黑" panose="020B0503020204020204" pitchFamily="34" charset="-122"/>
-                <a:ea typeface="微软雅黑" panose="020B0503020204020204" pitchFamily="34" charset="-122"/>
-              </a:rPr>
-              <a:t>个对象</a:t>
-            </a:r>
-            <a:r>
-              <a:rPr lang="zh-CN" altLang="en-US" sz="1200" b="1" dirty="0" smtClean="0">
-                <a:solidFill>
-                  <a:schemeClr val="tx1">
-                    <a:lumMod val="75000"/>
-                    <a:lumOff val="25000"/>
-                  </a:schemeClr>
-                </a:solidFill>
-                <a:latin typeface="微软雅黑" panose="020B0503020204020204" pitchFamily="34" charset="-122"/>
-                <a:ea typeface="微软雅黑" panose="020B0503020204020204" pitchFamily="34" charset="-122"/>
-              </a:rPr>
-              <a:t>？（韩雨轩）</a:t>
+              <a:t>如何去表示棋子？（韩雨轩）</a:t>
             </a:r>
             <a:endParaRPr lang="zh-CN" altLang="en-US" sz="1200" b="1" dirty="0" smtClean="0">
               <a:solidFill>
@@ -7351,7 +7233,7 @@
         <p:spPr>
           <a:xfrm>
             <a:off x="1115695" y="1059180"/>
-            <a:ext cx="3535680" cy="275590"/>
+            <a:ext cx="2621280" cy="275590"/>
           </a:xfrm>
           <a:prstGeom prst="rect">
             <a:avLst/>
@@ -7387,7 +7269,7 @@
                 <a:latin typeface="微软雅黑" panose="020B0503020204020204" pitchFamily="34" charset="-122"/>
                 <a:ea typeface="微软雅黑" panose="020B0503020204020204" pitchFamily="34" charset="-122"/>
               </a:rPr>
-              <a:t>命令函参数？（</a:t>
+              <a:t>（</a:t>
             </a:r>
             <a:r>
               <a:rPr lang="zh-CN" altLang="en-US" sz="1200" b="1" dirty="0" smtClean="0">
@@ -8707,1385 +8589,6 @@
 </file>
 
 <file path=ppt/slides/slide8.xml><?xml version="1.0" encoding="utf-8"?>
-<p:sld xmlns:a="http://schemas.openxmlformats.org/drawingml/2006/main" xmlns:r="http://schemas.openxmlformats.org/officeDocument/2006/relationships" xmlns:p="http://schemas.openxmlformats.org/presentationml/2006/main">
-  <p:cSld>
-    <p:spTree>
-      <p:nvGrpSpPr>
-        <p:cNvPr id="1" name=""/>
-        <p:cNvGrpSpPr/>
-        <p:nvPr/>
-      </p:nvGrpSpPr>
-      <p:grpSpPr>
-        <a:xfrm>
-          <a:off x="0" y="0"/>
-          <a:ext cx="0" cy="0"/>
-          <a:chOff x="0" y="0"/>
-          <a:chExt cx="0" cy="0"/>
-        </a:xfrm>
-      </p:grpSpPr>
-      <p:pic>
-        <p:nvPicPr>
-          <p:cNvPr id="9" name="图片 8"/>
-          <p:cNvPicPr>
-            <a:picLocks noChangeAspect="1"/>
-          </p:cNvPicPr>
-          <p:nvPr/>
-        </p:nvPicPr>
-        <p:blipFill>
-          <a:blip r:embed="rId1"/>
-          <a:stretch>
-            <a:fillRect/>
-          </a:stretch>
-        </p:blipFill>
-        <p:spPr>
-          <a:xfrm>
-            <a:off x="4572000" y="963930"/>
-            <a:ext cx="3705225" cy="3812540"/>
-          </a:xfrm>
-          <a:prstGeom prst="rect">
-            <a:avLst/>
-          </a:prstGeom>
-        </p:spPr>
-      </p:pic>
-      <p:pic>
-        <p:nvPicPr>
-          <p:cNvPr id="13" name="图片 12" descr="图片1"/>
-          <p:cNvPicPr>
-            <a:picLocks noChangeAspect="1"/>
-          </p:cNvPicPr>
-          <p:nvPr/>
-        </p:nvPicPr>
-        <p:blipFill>
-          <a:blip r:embed="rId2"/>
-          <a:stretch>
-            <a:fillRect/>
-          </a:stretch>
-        </p:blipFill>
-        <p:spPr>
-          <a:xfrm rot="10800000">
-            <a:off x="-24924" y="0"/>
-            <a:ext cx="9193054" cy="5143500"/>
-          </a:xfrm>
-          <a:prstGeom prst="rect">
-            <a:avLst/>
-          </a:prstGeom>
-        </p:spPr>
-      </p:pic>
-      <p:sp>
-        <p:nvSpPr>
-          <p:cNvPr id="2" name="文本框 1"/>
-          <p:cNvSpPr txBox="1"/>
-          <p:nvPr/>
-        </p:nvSpPr>
-        <p:spPr>
-          <a:xfrm>
-            <a:off x="509905" y="441960"/>
-            <a:ext cx="3799205" cy="521970"/>
-          </a:xfrm>
-          <a:prstGeom prst="rect">
-            <a:avLst/>
-          </a:prstGeom>
-          <a:noFill/>
-        </p:spPr>
-        <p:txBody>
-          <a:bodyPr wrap="square" rtlCol="0">
-            <a:spAutoFit/>
-          </a:bodyPr>
-          <a:p>
-            <a:r>
-              <a:rPr lang="en-US" altLang="zh-CN" sz="2800" b="1" dirty="0" smtClean="0">
-                <a:solidFill>
-                  <a:schemeClr val="tx1">
-                    <a:lumMod val="75000"/>
-                    <a:lumOff val="25000"/>
-                  </a:schemeClr>
-                </a:solidFill>
-                <a:latin typeface="仓耳小丸子" panose="02020400000000000000" charset="-122"/>
-                <a:ea typeface="仓耳小丸子" panose="02020400000000000000" charset="-122"/>
-                <a:cs typeface="仓耳小丸子" panose="02020400000000000000" charset="-122"/>
-              </a:rPr>
-              <a:t>4.</a:t>
-            </a:r>
-            <a:r>
-              <a:rPr lang="zh-CN" altLang="en-US" sz="2800" b="1" dirty="0" smtClean="0">
-                <a:solidFill>
-                  <a:schemeClr val="tx1">
-                    <a:lumMod val="75000"/>
-                    <a:lumOff val="25000"/>
-                  </a:schemeClr>
-                </a:solidFill>
-                <a:latin typeface="仓耳小丸子" panose="02020400000000000000" charset="-122"/>
-                <a:ea typeface="仓耳小丸子" panose="02020400000000000000" charset="-122"/>
-                <a:cs typeface="仓耳小丸子" panose="02020400000000000000" charset="-122"/>
-              </a:rPr>
-              <a:t>收获的</a:t>
-            </a:r>
-            <a:r>
-              <a:rPr lang="zh-CN" altLang="en-US" sz="2800" b="1" dirty="0" smtClean="0">
-                <a:solidFill>
-                  <a:schemeClr val="tx1">
-                    <a:lumMod val="75000"/>
-                    <a:lumOff val="25000"/>
-                  </a:schemeClr>
-                </a:solidFill>
-                <a:latin typeface="仓耳小丸子" panose="02020400000000000000" charset="-122"/>
-                <a:ea typeface="仓耳小丸子" panose="02020400000000000000" charset="-122"/>
-                <a:cs typeface="仓耳小丸子" panose="02020400000000000000" charset="-122"/>
-              </a:rPr>
-              <a:t>知识</a:t>
-            </a:r>
-            <a:endParaRPr lang="zh-CN" altLang="en-US" sz="2800" b="1" dirty="0" smtClean="0">
-              <a:solidFill>
-                <a:schemeClr val="tx1">
-                  <a:lumMod val="75000"/>
-                  <a:lumOff val="25000"/>
-                </a:schemeClr>
-              </a:solidFill>
-              <a:latin typeface="仓耳小丸子" panose="02020400000000000000" charset="-122"/>
-              <a:ea typeface="仓耳小丸子" panose="02020400000000000000" charset="-122"/>
-              <a:cs typeface="仓耳小丸子" panose="02020400000000000000" charset="-122"/>
-            </a:endParaRPr>
-          </a:p>
-        </p:txBody>
-      </p:sp>
-      <p:sp>
-        <p:nvSpPr>
-          <p:cNvPr id="5" name="文本框 4"/>
-          <p:cNvSpPr txBox="1"/>
-          <p:nvPr/>
-        </p:nvSpPr>
-        <p:spPr>
-          <a:xfrm>
-            <a:off x="1115695" y="1059180"/>
-            <a:ext cx="227965" cy="275590"/>
-          </a:xfrm>
-          <a:prstGeom prst="rect">
-            <a:avLst/>
-          </a:prstGeom>
-          <a:noFill/>
-        </p:spPr>
-        <p:txBody>
-          <a:bodyPr wrap="none" rtlCol="0">
-            <a:spAutoFit/>
-          </a:bodyPr>
-          <a:p>
-            <a:r>
-              <a:rPr lang="en-US" altLang="zh-CN" sz="1200" b="1" dirty="0" smtClean="0">
-                <a:solidFill>
-                  <a:schemeClr val="tx1">
-                    <a:lumMod val="75000"/>
-                    <a:lumOff val="25000"/>
-                  </a:schemeClr>
-                </a:solidFill>
-                <a:latin typeface="微软雅黑" panose="020B0503020204020204" pitchFamily="34" charset="-122"/>
-                <a:ea typeface="微软雅黑" panose="020B0503020204020204" pitchFamily="34" charset="-122"/>
-              </a:rPr>
-              <a:t> </a:t>
-            </a:r>
-            <a:endParaRPr lang="en-US" altLang="zh-CN" sz="1200" b="1" dirty="0" smtClean="0">
-              <a:solidFill>
-                <a:schemeClr val="tx1">
-                  <a:lumMod val="75000"/>
-                  <a:lumOff val="25000"/>
-                </a:schemeClr>
-              </a:solidFill>
-              <a:latin typeface="微软雅黑" panose="020B0503020204020204" pitchFamily="34" charset="-122"/>
-              <a:ea typeface="微软雅黑" panose="020B0503020204020204" pitchFamily="34" charset="-122"/>
-            </a:endParaRPr>
-          </a:p>
-        </p:txBody>
-      </p:sp>
-      <p:sp>
-        <p:nvSpPr>
-          <p:cNvPr id="8" name="文本框 7"/>
-          <p:cNvSpPr txBox="1"/>
-          <p:nvPr/>
-        </p:nvSpPr>
-        <p:spPr>
-          <a:xfrm>
-            <a:off x="467360" y="1275715"/>
-            <a:ext cx="3840480" cy="583565"/>
-          </a:xfrm>
-          <a:prstGeom prst="rect">
-            <a:avLst/>
-          </a:prstGeom>
-          <a:noFill/>
-        </p:spPr>
-        <p:txBody>
-          <a:bodyPr wrap="none" rtlCol="0">
-            <a:spAutoFit/>
-          </a:bodyPr>
-          <a:p>
-            <a:pPr algn="l"/>
-            <a:r>
-              <a:rPr lang="zh-CN" altLang="en-US" sz="1600" dirty="0" smtClean="0">
-                <a:solidFill>
-                  <a:schemeClr val="tx1">
-                    <a:lumMod val="75000"/>
-                    <a:lumOff val="25000"/>
-                  </a:schemeClr>
-                </a:solidFill>
-                <a:latin typeface="仓耳小丸子" panose="02020400000000000000" charset="-122"/>
-                <a:ea typeface="仓耳小丸子" panose="02020400000000000000" charset="-122"/>
-                <a:cs typeface="仓耳小丸子" panose="02020400000000000000" charset="-122"/>
-              </a:rPr>
-              <a:t>显示问题与计算机可以理解的问题的转换</a:t>
-            </a:r>
-            <a:endParaRPr lang="zh-CN" altLang="en-US" sz="1600" dirty="0" smtClean="0">
-              <a:solidFill>
-                <a:schemeClr val="tx1">
-                  <a:lumMod val="75000"/>
-                  <a:lumOff val="25000"/>
-                </a:schemeClr>
-              </a:solidFill>
-              <a:latin typeface="仓耳小丸子" panose="02020400000000000000" charset="-122"/>
-              <a:ea typeface="仓耳小丸子" panose="02020400000000000000" charset="-122"/>
-              <a:cs typeface="仓耳小丸子" panose="02020400000000000000" charset="-122"/>
-            </a:endParaRPr>
-          </a:p>
-          <a:p>
-            <a:pPr algn="l"/>
-            <a:endParaRPr lang="zh-CN" altLang="en-US" sz="1600" dirty="0" smtClean="0">
-              <a:solidFill>
-                <a:schemeClr val="tx1">
-                  <a:lumMod val="75000"/>
-                  <a:lumOff val="25000"/>
-                </a:schemeClr>
-              </a:solidFill>
-              <a:latin typeface="仓耳小丸子" panose="02020400000000000000" charset="-122"/>
-              <a:ea typeface="仓耳小丸子" panose="02020400000000000000" charset="-122"/>
-              <a:cs typeface="仓耳小丸子" panose="02020400000000000000" charset="-122"/>
-            </a:endParaRPr>
-          </a:p>
-        </p:txBody>
-      </p:sp>
-      <p:sp>
-        <p:nvSpPr>
-          <p:cNvPr id="10" name="文本框 9"/>
-          <p:cNvSpPr txBox="1"/>
-          <p:nvPr/>
-        </p:nvSpPr>
-        <p:spPr>
-          <a:xfrm>
-            <a:off x="1835785" y="1779270"/>
-            <a:ext cx="995680" cy="829945"/>
-          </a:xfrm>
-          <a:prstGeom prst="rect">
-            <a:avLst/>
-          </a:prstGeom>
-          <a:noFill/>
-        </p:spPr>
-        <p:txBody>
-          <a:bodyPr wrap="none" rtlCol="0">
-            <a:spAutoFit/>
-          </a:bodyPr>
-          <a:p>
-            <a:pPr algn="l"/>
-            <a:endParaRPr lang="zh-CN" altLang="en-US" sz="1600" dirty="0" smtClean="0">
-              <a:solidFill>
-                <a:schemeClr val="tx1">
-                  <a:lumMod val="75000"/>
-                  <a:lumOff val="25000"/>
-                </a:schemeClr>
-              </a:solidFill>
-              <a:latin typeface="仓耳小丸子" panose="02020400000000000000" charset="-122"/>
-              <a:ea typeface="仓耳小丸子" panose="02020400000000000000" charset="-122"/>
-              <a:cs typeface="仓耳小丸子" panose="02020400000000000000" charset="-122"/>
-            </a:endParaRPr>
-          </a:p>
-          <a:p>
-            <a:pPr algn="l"/>
-            <a:r>
-              <a:rPr lang="zh-CN" altLang="en-US" sz="1600" dirty="0" smtClean="0">
-                <a:solidFill>
-                  <a:schemeClr val="tx1">
-                    <a:lumMod val="75000"/>
-                    <a:lumOff val="25000"/>
-                  </a:schemeClr>
-                </a:solidFill>
-                <a:latin typeface="仓耳小丸子" panose="02020400000000000000" charset="-122"/>
-                <a:ea typeface="仓耳小丸子" panose="02020400000000000000" charset="-122"/>
-                <a:cs typeface="仓耳小丸子" panose="02020400000000000000" charset="-122"/>
-                <a:sym typeface="+mn-ea"/>
-              </a:rPr>
-              <a:t>事件监听</a:t>
-            </a:r>
-            <a:endParaRPr lang="zh-CN" altLang="en-US" sz="1600" dirty="0" smtClean="0">
-              <a:solidFill>
-                <a:schemeClr val="tx1">
-                  <a:lumMod val="75000"/>
-                  <a:lumOff val="25000"/>
-                </a:schemeClr>
-              </a:solidFill>
-              <a:latin typeface="仓耳小丸子" panose="02020400000000000000" charset="-122"/>
-              <a:ea typeface="仓耳小丸子" panose="02020400000000000000" charset="-122"/>
-              <a:cs typeface="仓耳小丸子" panose="02020400000000000000" charset="-122"/>
-            </a:endParaRPr>
-          </a:p>
-          <a:p>
-            <a:pPr algn="l"/>
-            <a:r>
-              <a:rPr lang="en-US" altLang="zh-CN" sz="1600" dirty="0" smtClean="0">
-                <a:solidFill>
-                  <a:schemeClr val="tx1">
-                    <a:lumMod val="75000"/>
-                    <a:lumOff val="25000"/>
-                  </a:schemeClr>
-                </a:solidFill>
-                <a:latin typeface="仓耳小丸子" panose="02020400000000000000" charset="-122"/>
-                <a:ea typeface="仓耳小丸子" panose="02020400000000000000" charset="-122"/>
-                <a:cs typeface="仓耳小丸子" panose="02020400000000000000" charset="-122"/>
-                <a:sym typeface="+mn-ea"/>
-              </a:rPr>
-              <a:t> </a:t>
-            </a:r>
-            <a:endParaRPr lang="en-US" altLang="zh-CN" sz="1600" dirty="0" smtClean="0">
-              <a:solidFill>
-                <a:schemeClr val="tx1">
-                  <a:lumMod val="75000"/>
-                  <a:lumOff val="25000"/>
-                </a:schemeClr>
-              </a:solidFill>
-              <a:latin typeface="仓耳小丸子" panose="02020400000000000000" charset="-122"/>
-              <a:ea typeface="仓耳小丸子" panose="02020400000000000000" charset="-122"/>
-              <a:cs typeface="仓耳小丸子" panose="02020400000000000000" charset="-122"/>
-              <a:sym typeface="+mn-ea"/>
-            </a:endParaRPr>
-          </a:p>
-        </p:txBody>
-      </p:sp>
-      <p:sp>
-        <p:nvSpPr>
-          <p:cNvPr id="12" name="文本框 11"/>
-          <p:cNvSpPr txBox="1"/>
-          <p:nvPr/>
-        </p:nvSpPr>
-        <p:spPr>
-          <a:xfrm>
-            <a:off x="3344545" y="1917065"/>
-            <a:ext cx="1344295" cy="706755"/>
-          </a:xfrm>
-          <a:prstGeom prst="rect">
-            <a:avLst/>
-          </a:prstGeom>
-          <a:noFill/>
-        </p:spPr>
-        <p:txBody>
-          <a:bodyPr wrap="none" rtlCol="0">
-            <a:spAutoFit/>
-          </a:bodyPr>
-          <a:p>
-            <a:pPr algn="l"/>
-            <a:r>
-              <a:rPr lang="en-US" altLang="zh-CN" sz="1600" dirty="0" smtClean="0">
-                <a:solidFill>
-                  <a:schemeClr val="tx1">
-                    <a:lumMod val="75000"/>
-                    <a:lumOff val="25000"/>
-                  </a:schemeClr>
-                </a:solidFill>
-                <a:latin typeface="仓耳小丸子" panose="02020400000000000000" charset="-122"/>
-                <a:ea typeface="仓耳小丸子" panose="02020400000000000000" charset="-122"/>
-                <a:cs typeface="仓耳小丸子" panose="02020400000000000000" charset="-122"/>
-                <a:sym typeface="+mn-ea"/>
-              </a:rPr>
-              <a:t>GUI</a:t>
-            </a:r>
-            <a:r>
-              <a:rPr lang="zh-CN" altLang="en-US" sz="1600" dirty="0" smtClean="0">
-                <a:solidFill>
-                  <a:schemeClr val="tx1">
-                    <a:lumMod val="75000"/>
-                    <a:lumOff val="25000"/>
-                  </a:schemeClr>
-                </a:solidFill>
-                <a:latin typeface="仓耳小丸子" panose="02020400000000000000" charset="-122"/>
-                <a:ea typeface="仓耳小丸子" panose="02020400000000000000" charset="-122"/>
-                <a:cs typeface="仓耳小丸子" panose="02020400000000000000" charset="-122"/>
-                <a:sym typeface="+mn-ea"/>
-              </a:rPr>
-              <a:t>图形界面</a:t>
-            </a:r>
-            <a:endParaRPr lang="zh-CN" altLang="en-US" sz="1600" dirty="0" smtClean="0">
-              <a:solidFill>
-                <a:schemeClr val="tx1">
-                  <a:lumMod val="75000"/>
-                  <a:lumOff val="25000"/>
-                </a:schemeClr>
-              </a:solidFill>
-              <a:latin typeface="仓耳小丸子" panose="02020400000000000000" charset="-122"/>
-              <a:ea typeface="仓耳小丸子" panose="02020400000000000000" charset="-122"/>
-              <a:cs typeface="仓耳小丸子" panose="02020400000000000000" charset="-122"/>
-            </a:endParaRPr>
-          </a:p>
-          <a:p>
-            <a:pPr algn="l"/>
-            <a:endParaRPr lang="zh-CN" altLang="en-US" sz="1200" dirty="0" smtClean="0">
-              <a:solidFill>
-                <a:schemeClr val="tx1">
-                  <a:lumMod val="75000"/>
-                  <a:lumOff val="25000"/>
-                </a:schemeClr>
-              </a:solidFill>
-              <a:latin typeface="仓耳小丸子" panose="02020400000000000000" charset="-122"/>
-              <a:ea typeface="仓耳小丸子" panose="02020400000000000000" charset="-122"/>
-              <a:cs typeface="仓耳小丸子" panose="02020400000000000000" charset="-122"/>
-            </a:endParaRPr>
-          </a:p>
-          <a:p>
-            <a:endParaRPr lang="zh-CN" altLang="en-US" sz="1200" dirty="0" smtClean="0">
-              <a:solidFill>
-                <a:schemeClr val="tx1">
-                  <a:lumMod val="75000"/>
-                  <a:lumOff val="25000"/>
-                </a:schemeClr>
-              </a:solidFill>
-              <a:latin typeface="微软雅黑" panose="020B0503020204020204" pitchFamily="34" charset="-122"/>
-              <a:ea typeface="微软雅黑" panose="020B0503020204020204" pitchFamily="34" charset="-122"/>
-            </a:endParaRPr>
-          </a:p>
-        </p:txBody>
-      </p:sp>
-      <p:sp>
-        <p:nvSpPr>
-          <p:cNvPr id="15" name="文本框 14"/>
-          <p:cNvSpPr txBox="1"/>
-          <p:nvPr/>
-        </p:nvSpPr>
-        <p:spPr>
-          <a:xfrm>
-            <a:off x="5507990" y="1090930"/>
-            <a:ext cx="1605280" cy="953135"/>
-          </a:xfrm>
-          <a:prstGeom prst="rect">
-            <a:avLst/>
-          </a:prstGeom>
-          <a:noFill/>
-        </p:spPr>
-        <p:txBody>
-          <a:bodyPr wrap="none" rtlCol="0">
-            <a:spAutoFit/>
-          </a:bodyPr>
-          <a:p>
-            <a:pPr algn="l"/>
-            <a:endParaRPr lang="zh-CN" altLang="en-US" sz="1200" dirty="0" smtClean="0">
-              <a:solidFill>
-                <a:schemeClr val="tx1">
-                  <a:lumMod val="75000"/>
-                  <a:lumOff val="25000"/>
-                </a:schemeClr>
-              </a:solidFill>
-              <a:latin typeface="仓耳小丸子" panose="02020400000000000000" charset="-122"/>
-              <a:ea typeface="仓耳小丸子" panose="02020400000000000000" charset="-122"/>
-              <a:cs typeface="仓耳小丸子" panose="02020400000000000000" charset="-122"/>
-            </a:endParaRPr>
-          </a:p>
-          <a:p>
-            <a:pPr algn="l"/>
-            <a:endParaRPr lang="zh-CN" altLang="en-US" sz="1200" dirty="0" smtClean="0">
-              <a:solidFill>
-                <a:schemeClr val="tx1">
-                  <a:lumMod val="75000"/>
-                  <a:lumOff val="25000"/>
-                </a:schemeClr>
-              </a:solidFill>
-              <a:latin typeface="仓耳小丸子" panose="02020400000000000000" charset="-122"/>
-              <a:ea typeface="仓耳小丸子" panose="02020400000000000000" charset="-122"/>
-              <a:cs typeface="仓耳小丸子" panose="02020400000000000000" charset="-122"/>
-            </a:endParaRPr>
-          </a:p>
-          <a:p>
-            <a:pPr algn="l"/>
-            <a:r>
-              <a:rPr lang="zh-CN" altLang="en-US" sz="1600" dirty="0" smtClean="0">
-                <a:solidFill>
-                  <a:schemeClr val="tx1">
-                    <a:lumMod val="75000"/>
-                    <a:lumOff val="25000"/>
-                  </a:schemeClr>
-                </a:solidFill>
-                <a:latin typeface="仓耳小丸子" panose="02020400000000000000" charset="-122"/>
-                <a:ea typeface="仓耳小丸子" panose="02020400000000000000" charset="-122"/>
-                <a:cs typeface="仓耳小丸子" panose="02020400000000000000" charset="-122"/>
-                <a:sym typeface="+mn-ea"/>
-              </a:rPr>
-              <a:t>三维数组的运用</a:t>
-            </a:r>
-            <a:endParaRPr lang="zh-CN" altLang="en-US" sz="1600" dirty="0" smtClean="0">
-              <a:solidFill>
-                <a:schemeClr val="tx1">
-                  <a:lumMod val="75000"/>
-                  <a:lumOff val="25000"/>
-                </a:schemeClr>
-              </a:solidFill>
-              <a:latin typeface="仓耳小丸子" panose="02020400000000000000" charset="-122"/>
-              <a:ea typeface="仓耳小丸子" panose="02020400000000000000" charset="-122"/>
-              <a:cs typeface="仓耳小丸子" panose="02020400000000000000" charset="-122"/>
-            </a:endParaRPr>
-          </a:p>
-          <a:p>
-            <a:endParaRPr lang="zh-CN" altLang="en-US" sz="1600" dirty="0" smtClean="0">
-              <a:solidFill>
-                <a:schemeClr val="tx1">
-                  <a:lumMod val="75000"/>
-                  <a:lumOff val="25000"/>
-                </a:schemeClr>
-              </a:solidFill>
-              <a:latin typeface="仓耳小丸子" panose="02020400000000000000" charset="-122"/>
-              <a:ea typeface="仓耳小丸子" panose="02020400000000000000" charset="-122"/>
-              <a:cs typeface="仓耳小丸子" panose="02020400000000000000" charset="-122"/>
-            </a:endParaRPr>
-          </a:p>
-        </p:txBody>
-      </p:sp>
-      <p:sp>
-        <p:nvSpPr>
-          <p:cNvPr id="16" name="文本框 15"/>
-          <p:cNvSpPr txBox="1"/>
-          <p:nvPr/>
-        </p:nvSpPr>
-        <p:spPr>
-          <a:xfrm>
-            <a:off x="4279265" y="2709545"/>
-            <a:ext cx="1198880" cy="829945"/>
-          </a:xfrm>
-          <a:prstGeom prst="rect">
-            <a:avLst/>
-          </a:prstGeom>
-          <a:noFill/>
-        </p:spPr>
-        <p:txBody>
-          <a:bodyPr wrap="none" rtlCol="0">
-            <a:spAutoFit/>
-          </a:bodyPr>
-          <a:p>
-            <a:pPr algn="l"/>
-            <a:endParaRPr lang="zh-CN" altLang="en-US" sz="1600" dirty="0" smtClean="0">
-              <a:solidFill>
-                <a:schemeClr val="tx1">
-                  <a:lumMod val="75000"/>
-                  <a:lumOff val="25000"/>
-                </a:schemeClr>
-              </a:solidFill>
-              <a:latin typeface="仓耳小丸子" panose="02020400000000000000" charset="-122"/>
-              <a:ea typeface="仓耳小丸子" panose="02020400000000000000" charset="-122"/>
-              <a:cs typeface="仓耳小丸子" panose="02020400000000000000" charset="-122"/>
-            </a:endParaRPr>
-          </a:p>
-          <a:p>
-            <a:pPr algn="l"/>
-            <a:r>
-              <a:rPr lang="zh-CN" altLang="en-US" sz="1600" dirty="0" smtClean="0">
-                <a:solidFill>
-                  <a:schemeClr val="tx1">
-                    <a:lumMod val="75000"/>
-                    <a:lumOff val="25000"/>
-                  </a:schemeClr>
-                </a:solidFill>
-                <a:latin typeface="仓耳小丸子" panose="02020400000000000000" charset="-122"/>
-                <a:ea typeface="仓耳小丸子" panose="02020400000000000000" charset="-122"/>
-                <a:cs typeface="仓耳小丸子" panose="02020400000000000000" charset="-122"/>
-                <a:sym typeface="+mn-ea"/>
-              </a:rPr>
-              <a:t>测试的能力</a:t>
-            </a:r>
-            <a:endParaRPr lang="zh-CN" altLang="en-US" sz="1600" dirty="0" smtClean="0">
-              <a:solidFill>
-                <a:schemeClr val="tx1">
-                  <a:lumMod val="75000"/>
-                  <a:lumOff val="25000"/>
-                </a:schemeClr>
-              </a:solidFill>
-              <a:latin typeface="仓耳小丸子" panose="02020400000000000000" charset="-122"/>
-              <a:ea typeface="仓耳小丸子" panose="02020400000000000000" charset="-122"/>
-              <a:cs typeface="仓耳小丸子" panose="02020400000000000000" charset="-122"/>
-            </a:endParaRPr>
-          </a:p>
-          <a:p>
-            <a:endParaRPr lang="zh-CN" altLang="en-US" sz="1600" dirty="0" smtClean="0">
-              <a:solidFill>
-                <a:schemeClr val="tx1">
-                  <a:lumMod val="75000"/>
-                  <a:lumOff val="25000"/>
-                </a:schemeClr>
-              </a:solidFill>
-              <a:latin typeface="仓耳小丸子" panose="02020400000000000000" charset="-122"/>
-              <a:ea typeface="仓耳小丸子" panose="02020400000000000000" charset="-122"/>
-              <a:cs typeface="仓耳小丸子" panose="02020400000000000000" charset="-122"/>
-            </a:endParaRPr>
-          </a:p>
-        </p:txBody>
-      </p:sp>
-      <p:sp>
-        <p:nvSpPr>
-          <p:cNvPr id="18" name="文本框 17"/>
-          <p:cNvSpPr txBox="1"/>
-          <p:nvPr/>
-        </p:nvSpPr>
-        <p:spPr>
-          <a:xfrm>
-            <a:off x="755650" y="2709545"/>
-            <a:ext cx="1573530" cy="1137285"/>
-          </a:xfrm>
-          <a:prstGeom prst="rect">
-            <a:avLst/>
-          </a:prstGeom>
-          <a:noFill/>
-        </p:spPr>
-        <p:txBody>
-          <a:bodyPr wrap="none" rtlCol="0">
-            <a:spAutoFit/>
-          </a:bodyPr>
-          <a:p>
-            <a:pPr algn="l"/>
-            <a:endParaRPr lang="zh-CN" altLang="en-US" sz="1200" dirty="0" smtClean="0">
-              <a:solidFill>
-                <a:schemeClr val="tx1">
-                  <a:lumMod val="75000"/>
-                  <a:lumOff val="25000"/>
-                </a:schemeClr>
-              </a:solidFill>
-              <a:latin typeface="仓耳小丸子" panose="02020400000000000000" charset="-122"/>
-              <a:ea typeface="仓耳小丸子" panose="02020400000000000000" charset="-122"/>
-              <a:cs typeface="仓耳小丸子" panose="02020400000000000000" charset="-122"/>
-            </a:endParaRPr>
-          </a:p>
-          <a:p>
-            <a:pPr algn="l"/>
-            <a:endParaRPr lang="zh-CN" altLang="en-US" sz="1600" dirty="0" smtClean="0">
-              <a:solidFill>
-                <a:schemeClr val="tx1">
-                  <a:lumMod val="75000"/>
-                  <a:lumOff val="25000"/>
-                </a:schemeClr>
-              </a:solidFill>
-              <a:latin typeface="仓耳小丸子" panose="02020400000000000000" charset="-122"/>
-              <a:ea typeface="仓耳小丸子" panose="02020400000000000000" charset="-122"/>
-              <a:cs typeface="仓耳小丸子" panose="02020400000000000000" charset="-122"/>
-            </a:endParaRPr>
-          </a:p>
-          <a:p>
-            <a:pPr algn="l"/>
-            <a:r>
-              <a:rPr lang="zh-CN" altLang="en-US" sz="1600" dirty="0" smtClean="0">
-                <a:solidFill>
-                  <a:schemeClr val="tx1">
-                    <a:lumMod val="75000"/>
-                    <a:lumOff val="25000"/>
-                  </a:schemeClr>
-                </a:solidFill>
-                <a:latin typeface="仓耳小丸子" panose="02020400000000000000" charset="-122"/>
-                <a:ea typeface="仓耳小丸子" panose="02020400000000000000" charset="-122"/>
-                <a:cs typeface="仓耳小丸子" panose="02020400000000000000" charset="-122"/>
-                <a:sym typeface="+mn-ea"/>
-              </a:rPr>
-              <a:t>排查</a:t>
-            </a:r>
-            <a:r>
-              <a:rPr lang="en-US" altLang="zh-CN" sz="1600" dirty="0" smtClean="0">
-                <a:solidFill>
-                  <a:schemeClr val="tx1">
-                    <a:lumMod val="75000"/>
-                    <a:lumOff val="25000"/>
-                  </a:schemeClr>
-                </a:solidFill>
-                <a:latin typeface="仓耳小丸子" panose="02020400000000000000" charset="-122"/>
-                <a:ea typeface="仓耳小丸子" panose="02020400000000000000" charset="-122"/>
-                <a:cs typeface="仓耳小丸子" panose="02020400000000000000" charset="-122"/>
-                <a:sym typeface="+mn-ea"/>
-              </a:rPr>
-              <a:t>pug</a:t>
-            </a:r>
-            <a:r>
-              <a:rPr lang="zh-CN" altLang="en-US" sz="1600" dirty="0" smtClean="0">
-                <a:solidFill>
-                  <a:schemeClr val="tx1">
-                    <a:lumMod val="75000"/>
-                    <a:lumOff val="25000"/>
-                  </a:schemeClr>
-                </a:solidFill>
-                <a:latin typeface="仓耳小丸子" panose="02020400000000000000" charset="-122"/>
-                <a:ea typeface="仓耳小丸子" panose="02020400000000000000" charset="-122"/>
-                <a:cs typeface="仓耳小丸子" panose="02020400000000000000" charset="-122"/>
-                <a:sym typeface="+mn-ea"/>
-              </a:rPr>
-              <a:t>的能力</a:t>
-            </a:r>
-            <a:endParaRPr lang="zh-CN" altLang="en-US" sz="1600" dirty="0" smtClean="0">
-              <a:solidFill>
-                <a:schemeClr val="tx1">
-                  <a:lumMod val="75000"/>
-                  <a:lumOff val="25000"/>
-                </a:schemeClr>
-              </a:solidFill>
-              <a:latin typeface="仓耳小丸子" panose="02020400000000000000" charset="-122"/>
-              <a:ea typeface="仓耳小丸子" panose="02020400000000000000" charset="-122"/>
-              <a:cs typeface="仓耳小丸子" panose="02020400000000000000" charset="-122"/>
-            </a:endParaRPr>
-          </a:p>
-          <a:p>
-            <a:pPr algn="l"/>
-            <a:endParaRPr lang="zh-CN" altLang="en-US" sz="1200" dirty="0" smtClean="0">
-              <a:solidFill>
-                <a:schemeClr val="tx1">
-                  <a:lumMod val="75000"/>
-                  <a:lumOff val="25000"/>
-                </a:schemeClr>
-              </a:solidFill>
-              <a:latin typeface="仓耳小丸子" panose="02020400000000000000" charset="-122"/>
-              <a:ea typeface="仓耳小丸子" panose="02020400000000000000" charset="-122"/>
-              <a:cs typeface="仓耳小丸子" panose="02020400000000000000" charset="-122"/>
-            </a:endParaRPr>
-          </a:p>
-          <a:p>
-            <a:endParaRPr lang="zh-CN" altLang="en-US" sz="1200" dirty="0" smtClean="0">
-              <a:solidFill>
-                <a:schemeClr val="tx1">
-                  <a:lumMod val="75000"/>
-                  <a:lumOff val="25000"/>
-                </a:schemeClr>
-              </a:solidFill>
-              <a:latin typeface="微软雅黑" panose="020B0503020204020204" pitchFamily="34" charset="-122"/>
-              <a:ea typeface="微软雅黑" panose="020B0503020204020204" pitchFamily="34" charset="-122"/>
-            </a:endParaRPr>
-          </a:p>
-        </p:txBody>
-      </p:sp>
-      <p:sp>
-        <p:nvSpPr>
-          <p:cNvPr id="19" name="文本框 18"/>
-          <p:cNvSpPr txBox="1"/>
-          <p:nvPr/>
-        </p:nvSpPr>
-        <p:spPr>
-          <a:xfrm>
-            <a:off x="2795905" y="3562985"/>
-            <a:ext cx="1808480" cy="953135"/>
-          </a:xfrm>
-          <a:prstGeom prst="rect">
-            <a:avLst/>
-          </a:prstGeom>
-          <a:noFill/>
-        </p:spPr>
-        <p:txBody>
-          <a:bodyPr wrap="none" rtlCol="0">
-            <a:spAutoFit/>
-          </a:bodyPr>
-          <a:p>
-            <a:pPr algn="l"/>
-            <a:endParaRPr lang="zh-CN" altLang="en-US" sz="1200" dirty="0" smtClean="0">
-              <a:solidFill>
-                <a:schemeClr val="tx1">
-                  <a:lumMod val="75000"/>
-                  <a:lumOff val="25000"/>
-                </a:schemeClr>
-              </a:solidFill>
-              <a:latin typeface="仓耳小丸子" panose="02020400000000000000" charset="-122"/>
-              <a:ea typeface="仓耳小丸子" panose="02020400000000000000" charset="-122"/>
-              <a:cs typeface="仓耳小丸子" panose="02020400000000000000" charset="-122"/>
-            </a:endParaRPr>
-          </a:p>
-          <a:p>
-            <a:pPr algn="l"/>
-            <a:endParaRPr lang="zh-CN" altLang="en-US" sz="1200" dirty="0" smtClean="0">
-              <a:solidFill>
-                <a:schemeClr val="tx1">
-                  <a:lumMod val="75000"/>
-                  <a:lumOff val="25000"/>
-                </a:schemeClr>
-              </a:solidFill>
-              <a:latin typeface="仓耳小丸子" panose="02020400000000000000" charset="-122"/>
-              <a:ea typeface="仓耳小丸子" panose="02020400000000000000" charset="-122"/>
-              <a:cs typeface="仓耳小丸子" panose="02020400000000000000" charset="-122"/>
-            </a:endParaRPr>
-          </a:p>
-          <a:p>
-            <a:pPr algn="l"/>
-            <a:r>
-              <a:rPr lang="zh-CN" altLang="en-US" sz="1600" dirty="0" smtClean="0">
-                <a:solidFill>
-                  <a:schemeClr val="tx1">
-                    <a:lumMod val="75000"/>
-                    <a:lumOff val="25000"/>
-                  </a:schemeClr>
-                </a:solidFill>
-                <a:latin typeface="仓耳小丸子" panose="02020400000000000000" charset="-122"/>
-                <a:ea typeface="仓耳小丸子" panose="02020400000000000000" charset="-122"/>
-                <a:cs typeface="仓耳小丸子" panose="02020400000000000000" charset="-122"/>
-                <a:sym typeface="+mn-ea"/>
-              </a:rPr>
-              <a:t>学习新知识的能力</a:t>
-            </a:r>
-            <a:endParaRPr lang="zh-CN" altLang="en-US" sz="1600" dirty="0" smtClean="0">
-              <a:solidFill>
-                <a:schemeClr val="tx1">
-                  <a:lumMod val="75000"/>
-                  <a:lumOff val="25000"/>
-                </a:schemeClr>
-              </a:solidFill>
-              <a:latin typeface="仓耳小丸子" panose="02020400000000000000" charset="-122"/>
-              <a:ea typeface="仓耳小丸子" panose="02020400000000000000" charset="-122"/>
-              <a:cs typeface="仓耳小丸子" panose="02020400000000000000" charset="-122"/>
-            </a:endParaRPr>
-          </a:p>
-          <a:p>
-            <a:endParaRPr lang="zh-CN" altLang="en-US" sz="1600" dirty="0" smtClean="0">
-              <a:solidFill>
-                <a:schemeClr val="tx1">
-                  <a:lumMod val="75000"/>
-                  <a:lumOff val="25000"/>
-                </a:schemeClr>
-              </a:solidFill>
-              <a:latin typeface="仓耳小丸子" panose="02020400000000000000" charset="-122"/>
-              <a:ea typeface="仓耳小丸子" panose="02020400000000000000" charset="-122"/>
-              <a:cs typeface="仓耳小丸子" panose="02020400000000000000" charset="-122"/>
-            </a:endParaRPr>
-          </a:p>
-        </p:txBody>
-      </p:sp>
-      <p:sp>
-        <p:nvSpPr>
-          <p:cNvPr id="20" name="文本框 19"/>
-          <p:cNvSpPr txBox="1"/>
-          <p:nvPr/>
-        </p:nvSpPr>
-        <p:spPr>
-          <a:xfrm>
-            <a:off x="5427345" y="2262505"/>
-            <a:ext cx="1605280" cy="768350"/>
-          </a:xfrm>
-          <a:prstGeom prst="rect">
-            <a:avLst/>
-          </a:prstGeom>
-          <a:noFill/>
-        </p:spPr>
-        <p:txBody>
-          <a:bodyPr wrap="none" rtlCol="0">
-            <a:spAutoFit/>
-          </a:bodyPr>
-          <a:p>
-            <a:pPr algn="l"/>
-            <a:endParaRPr lang="zh-CN" altLang="en-US" sz="1200" dirty="0" smtClean="0">
-              <a:solidFill>
-                <a:schemeClr val="tx1">
-                  <a:lumMod val="75000"/>
-                  <a:lumOff val="25000"/>
-                </a:schemeClr>
-              </a:solidFill>
-              <a:latin typeface="仓耳小丸子" panose="02020400000000000000" charset="-122"/>
-              <a:ea typeface="仓耳小丸子" panose="02020400000000000000" charset="-122"/>
-              <a:cs typeface="仓耳小丸子" panose="02020400000000000000" charset="-122"/>
-            </a:endParaRPr>
-          </a:p>
-          <a:p>
-            <a:pPr algn="l"/>
-            <a:r>
-              <a:rPr lang="zh-CN" altLang="en-US" sz="1600" dirty="0" smtClean="0">
-                <a:solidFill>
-                  <a:schemeClr val="tx1">
-                    <a:lumMod val="75000"/>
-                    <a:lumOff val="25000"/>
-                  </a:schemeClr>
-                </a:solidFill>
-                <a:latin typeface="仓耳小丸子" panose="02020400000000000000" charset="-122"/>
-                <a:ea typeface="仓耳小丸子" panose="02020400000000000000" charset="-122"/>
-                <a:cs typeface="仓耳小丸子" panose="02020400000000000000" charset="-122"/>
-                <a:sym typeface="+mn-ea"/>
-              </a:rPr>
-              <a:t>团队合作的能力</a:t>
-            </a:r>
-            <a:endParaRPr lang="zh-CN" altLang="en-US" sz="1600" dirty="0" smtClean="0">
-              <a:solidFill>
-                <a:schemeClr val="tx1">
-                  <a:lumMod val="75000"/>
-                  <a:lumOff val="25000"/>
-                </a:schemeClr>
-              </a:solidFill>
-              <a:latin typeface="仓耳小丸子" panose="02020400000000000000" charset="-122"/>
-              <a:ea typeface="仓耳小丸子" panose="02020400000000000000" charset="-122"/>
-              <a:cs typeface="仓耳小丸子" panose="02020400000000000000" charset="-122"/>
-            </a:endParaRPr>
-          </a:p>
-          <a:p>
-            <a:endParaRPr lang="zh-CN" altLang="en-US" sz="1600" dirty="0" smtClean="0">
-              <a:solidFill>
-                <a:schemeClr val="tx1">
-                  <a:lumMod val="75000"/>
-                  <a:lumOff val="25000"/>
-                </a:schemeClr>
-              </a:solidFill>
-              <a:latin typeface="仓耳小丸子" panose="02020400000000000000" charset="-122"/>
-              <a:ea typeface="仓耳小丸子" panose="02020400000000000000" charset="-122"/>
-              <a:cs typeface="仓耳小丸子" panose="02020400000000000000" charset="-122"/>
-            </a:endParaRPr>
-          </a:p>
-        </p:txBody>
-      </p:sp>
-      <p:sp>
-        <p:nvSpPr>
-          <p:cNvPr id="21" name="文本框 20"/>
-          <p:cNvSpPr txBox="1"/>
-          <p:nvPr/>
-        </p:nvSpPr>
-        <p:spPr>
-          <a:xfrm>
-            <a:off x="2877185" y="2719705"/>
-            <a:ext cx="1198880" cy="829945"/>
-          </a:xfrm>
-          <a:prstGeom prst="rect">
-            <a:avLst/>
-          </a:prstGeom>
-          <a:noFill/>
-        </p:spPr>
-        <p:txBody>
-          <a:bodyPr wrap="none" rtlCol="0">
-            <a:spAutoFit/>
-          </a:bodyPr>
-          <a:p>
-            <a:pPr algn="l"/>
-            <a:endParaRPr lang="zh-CN" altLang="en-US" sz="1600" dirty="0" smtClean="0">
-              <a:solidFill>
-                <a:schemeClr val="tx1">
-                  <a:lumMod val="75000"/>
-                  <a:lumOff val="25000"/>
-                </a:schemeClr>
-              </a:solidFill>
-              <a:latin typeface="仓耳小丸子" panose="02020400000000000000" charset="-122"/>
-              <a:ea typeface="仓耳小丸子" panose="02020400000000000000" charset="-122"/>
-              <a:cs typeface="仓耳小丸子" panose="02020400000000000000" charset="-122"/>
-            </a:endParaRPr>
-          </a:p>
-          <a:p>
-            <a:pPr algn="l"/>
-            <a:r>
-              <a:rPr lang="zh-CN" altLang="en-US" sz="1600" dirty="0" smtClean="0">
-                <a:solidFill>
-                  <a:schemeClr val="tx1">
-                    <a:lumMod val="75000"/>
-                    <a:lumOff val="25000"/>
-                  </a:schemeClr>
-                </a:solidFill>
-                <a:latin typeface="仓耳小丸子" panose="02020400000000000000" charset="-122"/>
-                <a:ea typeface="仓耳小丸子" panose="02020400000000000000" charset="-122"/>
-                <a:cs typeface="仓耳小丸子" panose="02020400000000000000" charset="-122"/>
-                <a:sym typeface="+mn-ea"/>
-              </a:rPr>
-              <a:t>等等等等等</a:t>
-            </a:r>
-            <a:endParaRPr lang="zh-CN" altLang="en-US" sz="1600" dirty="0" smtClean="0">
-              <a:solidFill>
-                <a:schemeClr val="tx1">
-                  <a:lumMod val="75000"/>
-                  <a:lumOff val="25000"/>
-                </a:schemeClr>
-              </a:solidFill>
-              <a:latin typeface="仓耳小丸子" panose="02020400000000000000" charset="-122"/>
-              <a:ea typeface="仓耳小丸子" panose="02020400000000000000" charset="-122"/>
-              <a:cs typeface="仓耳小丸子" panose="02020400000000000000" charset="-122"/>
-            </a:endParaRPr>
-          </a:p>
-          <a:p>
-            <a:endParaRPr lang="zh-CN" altLang="en-US" sz="1600" dirty="0" smtClean="0">
-              <a:solidFill>
-                <a:schemeClr val="tx1">
-                  <a:lumMod val="75000"/>
-                  <a:lumOff val="25000"/>
-                </a:schemeClr>
-              </a:solidFill>
-              <a:latin typeface="仓耳小丸子" panose="02020400000000000000" charset="-122"/>
-              <a:ea typeface="仓耳小丸子" panose="02020400000000000000" charset="-122"/>
-              <a:cs typeface="仓耳小丸子" panose="02020400000000000000" charset="-122"/>
-            </a:endParaRPr>
-          </a:p>
-        </p:txBody>
-      </p:sp>
-      <p:sp>
-        <p:nvSpPr>
-          <p:cNvPr id="22" name="文本框 21"/>
-          <p:cNvSpPr txBox="1"/>
-          <p:nvPr/>
-        </p:nvSpPr>
-        <p:spPr>
-          <a:xfrm>
-            <a:off x="6804025" y="3003550"/>
-            <a:ext cx="1198880" cy="829945"/>
-          </a:xfrm>
-          <a:prstGeom prst="rect">
-            <a:avLst/>
-          </a:prstGeom>
-          <a:noFill/>
-        </p:spPr>
-        <p:txBody>
-          <a:bodyPr wrap="none" rtlCol="0">
-            <a:spAutoFit/>
-          </a:bodyPr>
-          <a:p>
-            <a:pPr algn="l"/>
-            <a:endParaRPr lang="zh-CN" altLang="en-US" sz="1600" dirty="0" smtClean="0">
-              <a:solidFill>
-                <a:schemeClr val="tx1">
-                  <a:lumMod val="75000"/>
-                  <a:lumOff val="25000"/>
-                </a:schemeClr>
-              </a:solidFill>
-              <a:latin typeface="仓耳小丸子" panose="02020400000000000000" charset="-122"/>
-              <a:ea typeface="仓耳小丸子" panose="02020400000000000000" charset="-122"/>
-              <a:cs typeface="仓耳小丸子" panose="02020400000000000000" charset="-122"/>
-            </a:endParaRPr>
-          </a:p>
-          <a:p>
-            <a:pPr algn="l"/>
-            <a:r>
-              <a:rPr lang="zh-CN" altLang="en-US" sz="1600" dirty="0" smtClean="0">
-                <a:solidFill>
-                  <a:schemeClr val="tx1">
-                    <a:lumMod val="75000"/>
-                    <a:lumOff val="25000"/>
-                  </a:schemeClr>
-                </a:solidFill>
-                <a:latin typeface="仓耳小丸子" panose="02020400000000000000" charset="-122"/>
-                <a:ea typeface="仓耳小丸子" panose="02020400000000000000" charset="-122"/>
-                <a:cs typeface="仓耳小丸子" panose="02020400000000000000" charset="-122"/>
-                <a:sym typeface="+mn-ea"/>
-              </a:rPr>
-              <a:t>等等等等等</a:t>
-            </a:r>
-            <a:endParaRPr lang="zh-CN" altLang="en-US" sz="1600" dirty="0" smtClean="0">
-              <a:solidFill>
-                <a:schemeClr val="tx1">
-                  <a:lumMod val="75000"/>
-                  <a:lumOff val="25000"/>
-                </a:schemeClr>
-              </a:solidFill>
-              <a:latin typeface="仓耳小丸子" panose="02020400000000000000" charset="-122"/>
-              <a:ea typeface="仓耳小丸子" panose="02020400000000000000" charset="-122"/>
-              <a:cs typeface="仓耳小丸子" panose="02020400000000000000" charset="-122"/>
-            </a:endParaRPr>
-          </a:p>
-          <a:p>
-            <a:endParaRPr lang="zh-CN" altLang="en-US" sz="1600" dirty="0" smtClean="0">
-              <a:solidFill>
-                <a:schemeClr val="tx1">
-                  <a:lumMod val="75000"/>
-                  <a:lumOff val="25000"/>
-                </a:schemeClr>
-              </a:solidFill>
-              <a:latin typeface="仓耳小丸子" panose="02020400000000000000" charset="-122"/>
-              <a:ea typeface="仓耳小丸子" panose="02020400000000000000" charset="-122"/>
-              <a:cs typeface="仓耳小丸子" panose="02020400000000000000" charset="-122"/>
-            </a:endParaRPr>
-          </a:p>
-        </p:txBody>
-      </p:sp>
-      <p:sp>
-        <p:nvSpPr>
-          <p:cNvPr id="23" name="文本框 22"/>
-          <p:cNvSpPr txBox="1"/>
-          <p:nvPr/>
-        </p:nvSpPr>
-        <p:spPr>
-          <a:xfrm>
-            <a:off x="5147945" y="3507740"/>
-            <a:ext cx="1198880" cy="829945"/>
-          </a:xfrm>
-          <a:prstGeom prst="rect">
-            <a:avLst/>
-          </a:prstGeom>
-          <a:noFill/>
-        </p:spPr>
-        <p:txBody>
-          <a:bodyPr wrap="none" rtlCol="0">
-            <a:spAutoFit/>
-          </a:bodyPr>
-          <a:p>
-            <a:pPr algn="l"/>
-            <a:endParaRPr lang="zh-CN" altLang="en-US" sz="1600" dirty="0" smtClean="0">
-              <a:solidFill>
-                <a:schemeClr val="tx1">
-                  <a:lumMod val="75000"/>
-                  <a:lumOff val="25000"/>
-                </a:schemeClr>
-              </a:solidFill>
-              <a:latin typeface="仓耳小丸子" panose="02020400000000000000" charset="-122"/>
-              <a:ea typeface="仓耳小丸子" panose="02020400000000000000" charset="-122"/>
-              <a:cs typeface="仓耳小丸子" panose="02020400000000000000" charset="-122"/>
-            </a:endParaRPr>
-          </a:p>
-          <a:p>
-            <a:pPr algn="l"/>
-            <a:r>
-              <a:rPr lang="zh-CN" altLang="en-US" sz="1600" dirty="0" smtClean="0">
-                <a:solidFill>
-                  <a:schemeClr val="tx1">
-                    <a:lumMod val="75000"/>
-                    <a:lumOff val="25000"/>
-                  </a:schemeClr>
-                </a:solidFill>
-                <a:latin typeface="仓耳小丸子" panose="02020400000000000000" charset="-122"/>
-                <a:ea typeface="仓耳小丸子" panose="02020400000000000000" charset="-122"/>
-                <a:cs typeface="仓耳小丸子" panose="02020400000000000000" charset="-122"/>
-                <a:sym typeface="+mn-ea"/>
-              </a:rPr>
-              <a:t>等等等等等</a:t>
-            </a:r>
-            <a:endParaRPr lang="zh-CN" altLang="en-US" sz="1600" dirty="0" smtClean="0">
-              <a:solidFill>
-                <a:schemeClr val="tx1">
-                  <a:lumMod val="75000"/>
-                  <a:lumOff val="25000"/>
-                </a:schemeClr>
-              </a:solidFill>
-              <a:latin typeface="仓耳小丸子" panose="02020400000000000000" charset="-122"/>
-              <a:ea typeface="仓耳小丸子" panose="02020400000000000000" charset="-122"/>
-              <a:cs typeface="仓耳小丸子" panose="02020400000000000000" charset="-122"/>
-            </a:endParaRPr>
-          </a:p>
-          <a:p>
-            <a:endParaRPr lang="zh-CN" altLang="en-US" sz="1600" dirty="0" smtClean="0">
-              <a:solidFill>
-                <a:schemeClr val="tx1">
-                  <a:lumMod val="75000"/>
-                  <a:lumOff val="25000"/>
-                </a:schemeClr>
-              </a:solidFill>
-              <a:latin typeface="仓耳小丸子" panose="02020400000000000000" charset="-122"/>
-              <a:ea typeface="仓耳小丸子" panose="02020400000000000000" charset="-122"/>
-              <a:cs typeface="仓耳小丸子" panose="02020400000000000000" charset="-122"/>
-            </a:endParaRPr>
-          </a:p>
-        </p:txBody>
-      </p:sp>
-      <p:sp>
-        <p:nvSpPr>
-          <p:cNvPr id="24" name="文本框 23"/>
-          <p:cNvSpPr txBox="1"/>
-          <p:nvPr/>
-        </p:nvSpPr>
-        <p:spPr>
-          <a:xfrm>
-            <a:off x="6875780" y="555625"/>
-            <a:ext cx="1198880" cy="829945"/>
-          </a:xfrm>
-          <a:prstGeom prst="rect">
-            <a:avLst/>
-          </a:prstGeom>
-          <a:noFill/>
-        </p:spPr>
-        <p:txBody>
-          <a:bodyPr wrap="none" rtlCol="0">
-            <a:spAutoFit/>
-          </a:bodyPr>
-          <a:p>
-            <a:pPr algn="l"/>
-            <a:endParaRPr lang="zh-CN" altLang="en-US" sz="1600" dirty="0" smtClean="0">
-              <a:solidFill>
-                <a:schemeClr val="tx1">
-                  <a:lumMod val="75000"/>
-                  <a:lumOff val="25000"/>
-                </a:schemeClr>
-              </a:solidFill>
-              <a:latin typeface="仓耳小丸子" panose="02020400000000000000" charset="-122"/>
-              <a:ea typeface="仓耳小丸子" panose="02020400000000000000" charset="-122"/>
-              <a:cs typeface="仓耳小丸子" panose="02020400000000000000" charset="-122"/>
-            </a:endParaRPr>
-          </a:p>
-          <a:p>
-            <a:pPr algn="l"/>
-            <a:r>
-              <a:rPr lang="zh-CN" altLang="en-US" sz="1600" dirty="0" smtClean="0">
-                <a:solidFill>
-                  <a:schemeClr val="tx1">
-                    <a:lumMod val="75000"/>
-                    <a:lumOff val="25000"/>
-                  </a:schemeClr>
-                </a:solidFill>
-                <a:latin typeface="仓耳小丸子" panose="02020400000000000000" charset="-122"/>
-                <a:ea typeface="仓耳小丸子" panose="02020400000000000000" charset="-122"/>
-                <a:cs typeface="仓耳小丸子" panose="02020400000000000000" charset="-122"/>
-                <a:sym typeface="+mn-ea"/>
-              </a:rPr>
-              <a:t>等等等等等</a:t>
-            </a:r>
-            <a:endParaRPr lang="zh-CN" altLang="en-US" sz="1600" dirty="0" smtClean="0">
-              <a:solidFill>
-                <a:schemeClr val="tx1">
-                  <a:lumMod val="75000"/>
-                  <a:lumOff val="25000"/>
-                </a:schemeClr>
-              </a:solidFill>
-              <a:latin typeface="仓耳小丸子" panose="02020400000000000000" charset="-122"/>
-              <a:ea typeface="仓耳小丸子" panose="02020400000000000000" charset="-122"/>
-              <a:cs typeface="仓耳小丸子" panose="02020400000000000000" charset="-122"/>
-            </a:endParaRPr>
-          </a:p>
-          <a:p>
-            <a:endParaRPr lang="zh-CN" altLang="en-US" sz="1600" dirty="0" smtClean="0">
-              <a:solidFill>
-                <a:schemeClr val="tx1">
-                  <a:lumMod val="75000"/>
-                  <a:lumOff val="25000"/>
-                </a:schemeClr>
-              </a:solidFill>
-              <a:latin typeface="仓耳小丸子" panose="02020400000000000000" charset="-122"/>
-              <a:ea typeface="仓耳小丸子" panose="02020400000000000000" charset="-122"/>
-              <a:cs typeface="仓耳小丸子" panose="02020400000000000000" charset="-122"/>
-            </a:endParaRPr>
-          </a:p>
-        </p:txBody>
-      </p:sp>
-      <p:sp>
-        <p:nvSpPr>
-          <p:cNvPr id="25" name="文本框 24"/>
-          <p:cNvSpPr txBox="1"/>
-          <p:nvPr/>
-        </p:nvSpPr>
-        <p:spPr>
-          <a:xfrm>
-            <a:off x="1053465" y="3833495"/>
-            <a:ext cx="1198880" cy="829945"/>
-          </a:xfrm>
-          <a:prstGeom prst="rect">
-            <a:avLst/>
-          </a:prstGeom>
-          <a:noFill/>
-        </p:spPr>
-        <p:txBody>
-          <a:bodyPr wrap="none" rtlCol="0">
-            <a:spAutoFit/>
-          </a:bodyPr>
-          <a:p>
-            <a:pPr algn="l"/>
-            <a:endParaRPr lang="zh-CN" altLang="en-US" sz="1600" dirty="0" smtClean="0">
-              <a:solidFill>
-                <a:schemeClr val="tx1">
-                  <a:lumMod val="75000"/>
-                  <a:lumOff val="25000"/>
-                </a:schemeClr>
-              </a:solidFill>
-              <a:latin typeface="仓耳小丸子" panose="02020400000000000000" charset="-122"/>
-              <a:ea typeface="仓耳小丸子" panose="02020400000000000000" charset="-122"/>
-              <a:cs typeface="仓耳小丸子" panose="02020400000000000000" charset="-122"/>
-            </a:endParaRPr>
-          </a:p>
-          <a:p>
-            <a:pPr algn="l"/>
-            <a:r>
-              <a:rPr lang="zh-CN" altLang="en-US" sz="1600" dirty="0" smtClean="0">
-                <a:solidFill>
-                  <a:schemeClr val="tx1">
-                    <a:lumMod val="75000"/>
-                    <a:lumOff val="25000"/>
-                  </a:schemeClr>
-                </a:solidFill>
-                <a:latin typeface="仓耳小丸子" panose="02020400000000000000" charset="-122"/>
-                <a:ea typeface="仓耳小丸子" panose="02020400000000000000" charset="-122"/>
-                <a:cs typeface="仓耳小丸子" panose="02020400000000000000" charset="-122"/>
-                <a:sym typeface="+mn-ea"/>
-              </a:rPr>
-              <a:t>等等等等等</a:t>
-            </a:r>
-            <a:endParaRPr lang="zh-CN" altLang="en-US" sz="1600" dirty="0" smtClean="0">
-              <a:solidFill>
-                <a:schemeClr val="tx1">
-                  <a:lumMod val="75000"/>
-                  <a:lumOff val="25000"/>
-                </a:schemeClr>
-              </a:solidFill>
-              <a:latin typeface="仓耳小丸子" panose="02020400000000000000" charset="-122"/>
-              <a:ea typeface="仓耳小丸子" panose="02020400000000000000" charset="-122"/>
-              <a:cs typeface="仓耳小丸子" panose="02020400000000000000" charset="-122"/>
-            </a:endParaRPr>
-          </a:p>
-          <a:p>
-            <a:endParaRPr lang="zh-CN" altLang="en-US" sz="1600" dirty="0" smtClean="0">
-              <a:solidFill>
-                <a:schemeClr val="tx1">
-                  <a:lumMod val="75000"/>
-                  <a:lumOff val="25000"/>
-                </a:schemeClr>
-              </a:solidFill>
-              <a:latin typeface="仓耳小丸子" panose="02020400000000000000" charset="-122"/>
-              <a:ea typeface="仓耳小丸子" panose="02020400000000000000" charset="-122"/>
-              <a:cs typeface="仓耳小丸子" panose="02020400000000000000" charset="-122"/>
-            </a:endParaRPr>
-          </a:p>
-        </p:txBody>
-      </p:sp>
-      <p:sp>
-        <p:nvSpPr>
-          <p:cNvPr id="26" name="文本框 25"/>
-          <p:cNvSpPr txBox="1"/>
-          <p:nvPr/>
-        </p:nvSpPr>
-        <p:spPr>
-          <a:xfrm>
-            <a:off x="4537075" y="890270"/>
-            <a:ext cx="1759585" cy="337185"/>
-          </a:xfrm>
-          <a:prstGeom prst="rect">
-            <a:avLst/>
-          </a:prstGeom>
-          <a:noFill/>
-        </p:spPr>
-        <p:txBody>
-          <a:bodyPr wrap="square" rtlCol="0">
-            <a:spAutoFit/>
-          </a:bodyPr>
-          <a:p>
-            <a:r>
-              <a:rPr lang="zh-CN" altLang="en-US" sz="1600" dirty="0" smtClean="0">
-                <a:solidFill>
-                  <a:schemeClr val="tx1">
-                    <a:lumMod val="75000"/>
-                    <a:lumOff val="25000"/>
-                  </a:schemeClr>
-                </a:solidFill>
-                <a:latin typeface="仓耳小丸子" panose="02020400000000000000" charset="-122"/>
-                <a:ea typeface="仓耳小丸子" panose="02020400000000000000" charset="-122"/>
-              </a:rPr>
-              <a:t>协调时间的能力</a:t>
-            </a:r>
-            <a:endParaRPr lang="zh-CN" altLang="en-US" sz="1600" dirty="0" smtClean="0">
-              <a:solidFill>
-                <a:schemeClr val="tx1">
-                  <a:lumMod val="75000"/>
-                  <a:lumOff val="25000"/>
-                </a:schemeClr>
-              </a:solidFill>
-              <a:latin typeface="仓耳小丸子" panose="02020400000000000000" charset="-122"/>
-              <a:ea typeface="仓耳小丸子" panose="02020400000000000000" charset="-122"/>
-            </a:endParaRPr>
-          </a:p>
-        </p:txBody>
-      </p:sp>
-    </p:spTree>
-  </p:cSld>
-  <p:clrMapOvr>
-    <a:masterClrMapping/>
-  </p:clrMapOvr>
-  <mc:AlternateContent xmlns:mc="http://schemas.openxmlformats.org/markup-compatibility/2006">
-    <mc:Choice xmlns:p14="http://schemas.microsoft.com/office/powerpoint/2010/main" Requires="p14">
-      <p:transition spd="med" p14:dur="700">
-        <p:fade/>
-      </p:transition>
-    </mc:Choice>
-    <mc:Fallback>
-      <p:transition spd="med">
-        <p:fade/>
-      </p:transition>
-    </mc:Fallback>
-  </mc:AlternateContent>
-  <p:timing>
-    <p:tnLst>
-      <p:par>
-        <p:cTn id="1" dur="indefinite" restart="never" nodeType="tmRoot"/>
-      </p:par>
-    </p:tnLst>
-  </p:timing>
-</p:sld>
-</file>
-
-<file path=ppt/slides/slide9.xml><?xml version="1.0" encoding="utf-8"?>
 <p:sld xmlns:a="http://schemas.openxmlformats.org/drawingml/2006/main" xmlns:r="http://schemas.openxmlformats.org/officeDocument/2006/relationships" xmlns:p="http://schemas.openxmlformats.org/presentationml/2006/main">
   <p:cSld>
     <p:spTree>
